--- a/day 10/SAC_Training Day 10.pptx
+++ b/day 10/SAC_Training Day 10.pptx
@@ -141,6 +141,7 @@
   </mc:AlternateContent>
   <c:chart>
     <c:title>
+      <c:layout/>
       <c:overlay val="0"/>
       <c:spPr>
         <a:noFill/>
@@ -519,6 +520,7 @@
     </c:plotArea>
     <c:legend>
       <c:legendPos val="b"/>
+      <c:layout/>
       <c:overlay val="0"/>
       <c:spPr>
         <a:noFill/>
@@ -550,6 +552,7 @@
     </c:legend>
     <c:plotVisOnly val="1"/>
     <c:dispBlanksAs val="gap"/>
+    <c:showDLblsOverMax val="0"/>
     <c:extLst>
       <c:ext xmlns:c16r3="http://schemas.microsoft.com/office/drawing/2017/03/chart" uri="{56B9EC1D-385E-4148-901F-78D8002777C0}">
         <c16r3:dataDisplayOptions16>
@@ -557,7 +560,6 @@
         </c16r3:dataDisplayOptions16>
       </c:ext>
     </c:extLst>
-    <c:showDLblsOverMax val="0"/>
   </c:chart>
   <c:spPr>
     <a:noFill/>
@@ -1209,7 +1211,7 @@
           <a:p>
             <a:fld id="{4AF2A06D-4991-4208-8C88-4E8BAD69A8B8}" type="datetimeFigureOut">
               <a:rPr lang="en-US" smtClean="0"/>
-              <a:t>11/24/2021</a:t>
+              <a:t>1/9/2022</a:t>
             </a:fld>
             <a:endParaRPr lang="en-US"/>
           </a:p>
@@ -1833,7 +1835,7 @@
           <a:p>
             <a:fld id="{E26E0DA5-0C76-4851-AA82-0B75261F9EB4}" type="datetimeFigureOut">
               <a:rPr lang="en-US" smtClean="0"/>
-              <a:t>11/24/2021</a:t>
+              <a:t>1/9/2022</a:t>
             </a:fld>
             <a:endParaRPr lang="en-US"/>
           </a:p>
@@ -2001,7 +2003,7 @@
           <a:p>
             <a:fld id="{E26E0DA5-0C76-4851-AA82-0B75261F9EB4}" type="datetimeFigureOut">
               <a:rPr lang="en-US" smtClean="0"/>
-              <a:t>11/24/2021</a:t>
+              <a:t>1/9/2022</a:t>
             </a:fld>
             <a:endParaRPr lang="en-US"/>
           </a:p>
@@ -2179,7 +2181,7 @@
           <a:p>
             <a:fld id="{E26E0DA5-0C76-4851-AA82-0B75261F9EB4}" type="datetimeFigureOut">
               <a:rPr lang="en-US" smtClean="0"/>
-              <a:t>11/24/2021</a:t>
+              <a:t>1/9/2022</a:t>
             </a:fld>
             <a:endParaRPr lang="en-US"/>
           </a:p>
@@ -2303,7 +2305,7 @@
             <a:fld id="{425404F2-BE9A-4460-8815-8F645183555F}" type="datetimeFigureOut">
               <a:rPr lang="en-US" smtClean="0"/>
               <a:pPr/>
-              <a:t>11/24/2021</a:t>
+              <a:t>1/9/2022</a:t>
             </a:fld>
             <a:endParaRPr lang="en-US"/>
           </a:p>
@@ -2485,7 +2487,7 @@
             <a:fld id="{425404F2-BE9A-4460-8815-8F645183555F}" type="datetimeFigureOut">
               <a:rPr lang="en-US" smtClean="0"/>
               <a:pPr/>
-              <a:t>11/24/2021</a:t>
+              <a:t>1/9/2022</a:t>
             </a:fld>
             <a:endParaRPr lang="en-US"/>
           </a:p>
@@ -2667,7 +2669,7 @@
             <a:fld id="{425404F2-BE9A-4460-8815-8F645183555F}" type="datetimeFigureOut">
               <a:rPr lang="en-US" smtClean="0"/>
               <a:pPr/>
-              <a:t>11/24/2021</a:t>
+              <a:t>1/9/2022</a:t>
             </a:fld>
             <a:endParaRPr lang="en-US"/>
           </a:p>
@@ -2849,7 +2851,7 @@
             <a:fld id="{425404F2-BE9A-4460-8815-8F645183555F}" type="datetimeFigureOut">
               <a:rPr lang="en-US" smtClean="0"/>
               <a:pPr/>
-              <a:t>11/24/2021</a:t>
+              <a:t>1/9/2022</a:t>
             </a:fld>
             <a:endParaRPr lang="en-US"/>
           </a:p>
@@ -3234,7 +3236,7 @@
             <a:fld id="{9578D6DB-6798-42D2-B9AD-FC6F1C72FC30}" type="datetimeFigureOut">
               <a:rPr lang="en-US" smtClean="0"/>
               <a:pPr/>
-              <a:t>11/24/2021</a:t>
+              <a:t>1/9/2022</a:t>
             </a:fld>
             <a:endParaRPr lang="en-US"/>
           </a:p>
@@ -3476,7 +3478,7 @@
             <a:fld id="{425404F2-BE9A-4460-8815-8F645183555F}" type="datetimeFigureOut">
               <a:rPr lang="en-US" smtClean="0"/>
               <a:pPr/>
-              <a:t>11/24/2021</a:t>
+              <a:t>1/9/2022</a:t>
             </a:fld>
             <a:endParaRPr lang="en-US"/>
           </a:p>
@@ -3604,7 +3606,7 @@
             <a:fld id="{425404F2-BE9A-4460-8815-8F645183555F}" type="datetimeFigureOut">
               <a:rPr lang="en-US" smtClean="0"/>
               <a:pPr/>
-              <a:t>11/24/2021</a:t>
+              <a:t>1/9/2022</a:t>
             </a:fld>
             <a:endParaRPr lang="en-US"/>
           </a:p>
@@ -3854,7 +3856,7 @@
             <a:fld id="{425404F2-BE9A-4460-8815-8F645183555F}" type="datetimeFigureOut">
               <a:rPr lang="en-US" smtClean="0"/>
               <a:pPr/>
-              <a:t>11/24/2021</a:t>
+              <a:t>1/9/2022</a:t>
             </a:fld>
             <a:endParaRPr lang="en-US"/>
           </a:p>
@@ -4023,7 +4025,7 @@
           <a:p>
             <a:fld id="{E26E0DA5-0C76-4851-AA82-0B75261F9EB4}" type="datetimeFigureOut">
               <a:rPr lang="en-US" smtClean="0"/>
-              <a:t>11/24/2021</a:t>
+              <a:t>1/9/2022</a:t>
             </a:fld>
             <a:endParaRPr lang="en-US"/>
           </a:p>
@@ -4192,7 +4194,7 @@
             <a:fld id="{425404F2-BE9A-4460-8815-8F645183555F}" type="datetimeFigureOut">
               <a:rPr lang="en-US" smtClean="0"/>
               <a:pPr/>
-              <a:t>11/24/2021</a:t>
+              <a:t>1/9/2022</a:t>
             </a:fld>
             <a:endParaRPr lang="en-US"/>
           </a:p>
@@ -4479,7 +4481,7 @@
             <a:fld id="{425404F2-BE9A-4460-8815-8F645183555F}" type="datetimeFigureOut">
               <a:rPr lang="en-US" smtClean="0"/>
               <a:pPr/>
-              <a:t>11/24/2021</a:t>
+              <a:t>1/9/2022</a:t>
             </a:fld>
             <a:endParaRPr lang="en-US"/>
           </a:p>
@@ -4900,7 +4902,7 @@
             <a:fld id="{425404F2-BE9A-4460-8815-8F645183555F}" type="datetimeFigureOut">
               <a:rPr lang="en-US" smtClean="0"/>
               <a:pPr/>
-              <a:t>11/24/2021</a:t>
+              <a:t>1/9/2022</a:t>
             </a:fld>
             <a:endParaRPr lang="en-US"/>
           </a:p>
@@ -5025,7 +5027,7 @@
             <a:fld id="{425404F2-BE9A-4460-8815-8F645183555F}" type="datetimeFigureOut">
               <a:rPr lang="en-US" smtClean="0"/>
               <a:pPr/>
-              <a:t>11/24/2021</a:t>
+              <a:t>1/9/2022</a:t>
             </a:fld>
             <a:endParaRPr lang="en-US"/>
           </a:p>
@@ -5207,7 +5209,7 @@
             <a:fld id="{425404F2-BE9A-4460-8815-8F645183555F}" type="datetimeFigureOut">
               <a:rPr lang="en-US" smtClean="0"/>
               <a:pPr/>
-              <a:t>11/24/2021</a:t>
+              <a:t>1/9/2022</a:t>
             </a:fld>
             <a:endParaRPr lang="en-US"/>
           </a:p>
@@ -5754,7 +5756,7 @@
             <a:fld id="{425404F2-BE9A-4460-8815-8F645183555F}" type="datetimeFigureOut">
               <a:rPr lang="en-US" smtClean="0"/>
               <a:pPr/>
-              <a:t>11/24/2021</a:t>
+              <a:t>1/9/2022</a:t>
             </a:fld>
             <a:endParaRPr lang="en-US"/>
           </a:p>
@@ -5902,7 +5904,7 @@
             <a:fld id="{425404F2-BE9A-4460-8815-8F645183555F}" type="datetimeFigureOut">
               <a:rPr lang="en-US" smtClean="0"/>
               <a:pPr/>
-              <a:t>11/24/2021</a:t>
+              <a:t>1/9/2022</a:t>
             </a:fld>
             <a:endParaRPr lang="en-US"/>
           </a:p>
@@ -6135,7 +6137,7 @@
             <a:fld id="{425404F2-BE9A-4460-8815-8F645183555F}" type="datetimeFigureOut">
               <a:rPr lang="en-US" smtClean="0"/>
               <a:pPr/>
-              <a:t>11/24/2021</a:t>
+              <a:t>1/9/2022</a:t>
             </a:fld>
             <a:endParaRPr lang="en-US"/>
           </a:p>
@@ -6373,7 +6375,7 @@
             <a:fld id="{425404F2-BE9A-4460-8815-8F645183555F}" type="datetimeFigureOut">
               <a:rPr lang="en-US" smtClean="0"/>
               <a:pPr/>
-              <a:t>11/24/2021</a:t>
+              <a:t>1/9/2022</a:t>
             </a:fld>
             <a:endParaRPr lang="en-US"/>
           </a:p>
@@ -6555,7 +6557,7 @@
             <a:fld id="{425404F2-BE9A-4460-8815-8F645183555F}" type="datetimeFigureOut">
               <a:rPr lang="en-US" smtClean="0"/>
               <a:pPr/>
-              <a:t>11/24/2021</a:t>
+              <a:t>1/9/2022</a:t>
             </a:fld>
             <a:endParaRPr lang="en-US"/>
           </a:p>
@@ -6801,7 +6803,7 @@
           <a:p>
             <a:fld id="{E26E0DA5-0C76-4851-AA82-0B75261F9EB4}" type="datetimeFigureOut">
               <a:rPr lang="en-US" smtClean="0"/>
-              <a:t>11/24/2021</a:t>
+              <a:t>1/9/2022</a:t>
             </a:fld>
             <a:endParaRPr lang="en-US"/>
           </a:p>
@@ -7077,7 +7079,7 @@
             <a:fld id="{425404F2-BE9A-4460-8815-8F645183555F}" type="datetimeFigureOut">
               <a:rPr lang="en-US" smtClean="0"/>
               <a:pPr/>
-              <a:t>11/24/2021</a:t>
+              <a:t>1/9/2022</a:t>
             </a:fld>
             <a:endParaRPr lang="en-US"/>
           </a:p>
@@ -7331,7 +7333,7 @@
             <a:fld id="{425404F2-BE9A-4460-8815-8F645183555F}" type="datetimeFigureOut">
               <a:rPr lang="en-US" smtClean="0"/>
               <a:pPr/>
-              <a:t>11/24/2021</a:t>
+              <a:t>1/9/2022</a:t>
             </a:fld>
             <a:endParaRPr lang="en-US"/>
           </a:p>
@@ -7501,7 +7503,7 @@
             <a:fld id="{425404F2-BE9A-4460-8815-8F645183555F}" type="datetimeFigureOut">
               <a:rPr lang="en-US" smtClean="0"/>
               <a:pPr/>
-              <a:t>11/24/2021</a:t>
+              <a:t>1/9/2022</a:t>
             </a:fld>
             <a:endParaRPr lang="en-US"/>
           </a:p>
@@ -7681,7 +7683,7 @@
             <a:fld id="{425404F2-BE9A-4460-8815-8F645183555F}" type="datetimeFigureOut">
               <a:rPr lang="en-US" smtClean="0"/>
               <a:pPr/>
-              <a:t>11/24/2021</a:t>
+              <a:t>1/9/2022</a:t>
             </a:fld>
             <a:endParaRPr lang="en-US"/>
           </a:p>
@@ -7911,7 +7913,7 @@
           <a:p>
             <a:fld id="{E26E0DA5-0C76-4851-AA82-0B75261F9EB4}" type="datetimeFigureOut">
               <a:rPr lang="en-US" smtClean="0"/>
-              <a:t>11/24/2021</a:t>
+              <a:t>1/9/2022</a:t>
             </a:fld>
             <a:endParaRPr lang="en-US"/>
           </a:p>
@@ -8275,7 +8277,7 @@
           <a:p>
             <a:fld id="{E26E0DA5-0C76-4851-AA82-0B75261F9EB4}" type="datetimeFigureOut">
               <a:rPr lang="en-US" smtClean="0"/>
-              <a:t>11/24/2021</a:t>
+              <a:t>1/9/2022</a:t>
             </a:fld>
             <a:endParaRPr lang="en-US"/>
           </a:p>
@@ -8392,7 +8394,7 @@
           <a:p>
             <a:fld id="{E26E0DA5-0C76-4851-AA82-0B75261F9EB4}" type="datetimeFigureOut">
               <a:rPr lang="en-US" smtClean="0"/>
-              <a:t>11/24/2021</a:t>
+              <a:t>1/9/2022</a:t>
             </a:fld>
             <a:endParaRPr lang="en-US"/>
           </a:p>
@@ -8487,7 +8489,7 @@
           <a:p>
             <a:fld id="{E26E0DA5-0C76-4851-AA82-0B75261F9EB4}" type="datetimeFigureOut">
               <a:rPr lang="en-US" smtClean="0"/>
-              <a:t>11/24/2021</a:t>
+              <a:t>1/9/2022</a:t>
             </a:fld>
             <a:endParaRPr lang="en-US"/>
           </a:p>
@@ -8762,7 +8764,7 @@
           <a:p>
             <a:fld id="{E26E0DA5-0C76-4851-AA82-0B75261F9EB4}" type="datetimeFigureOut">
               <a:rPr lang="en-US" smtClean="0"/>
-              <a:t>11/24/2021</a:t>
+              <a:t>1/9/2022</a:t>
             </a:fld>
             <a:endParaRPr lang="en-US"/>
           </a:p>
@@ -9014,7 +9016,7 @@
           <a:p>
             <a:fld id="{E26E0DA5-0C76-4851-AA82-0B75261F9EB4}" type="datetimeFigureOut">
               <a:rPr lang="en-US" smtClean="0"/>
-              <a:t>11/24/2021</a:t>
+              <a:t>1/9/2022</a:t>
             </a:fld>
             <a:endParaRPr lang="en-US"/>
           </a:p>
@@ -9225,7 +9227,7 @@
           <a:p>
             <a:fld id="{E26E0DA5-0C76-4851-AA82-0B75261F9EB4}" type="datetimeFigureOut">
               <a:rPr lang="en-US" smtClean="0"/>
-              <a:t>11/24/2021</a:t>
+              <a:t>1/9/2022</a:t>
             </a:fld>
             <a:endParaRPr lang="en-US"/>
           </a:p>
@@ -9786,7 +9788,7 @@
             <a:fld id="{425404F2-BE9A-4460-8815-8F645183555F}" type="datetimeFigureOut">
               <a:rPr lang="en-US" smtClean="0"/>
               <a:pPr/>
-              <a:t>11/24/2021</a:t>
+              <a:t>1/9/2022</a:t>
             </a:fld>
             <a:endParaRPr lang="en-US"/>
           </a:p>
@@ -10347,7 +10349,7 @@
         <p:spPr>
           <a:xfrm>
             <a:off x="187367" y="2062424"/>
-            <a:ext cx="6629399" cy="1754326"/>
+            <a:ext cx="6629399" cy="1200329"/>
           </a:xfrm>
           <a:prstGeom prst="rect">
             <a:avLst/>
@@ -10371,22 +10373,20 @@
           </a:p>
           <a:p>
             <a:r>
+              <a:rPr lang="en-US" sz="3600" spc="-150" dirty="0" smtClean="0">
+                <a:solidFill>
+                  <a:schemeClr val="bg1"/>
+                </a:solidFill>
+              </a:rPr>
+              <a:t>Day </a:t>
+            </a:r>
+            <a:r>
               <a:rPr lang="en-US" sz="3600" spc="-150" dirty="0">
                 <a:solidFill>
                   <a:schemeClr val="bg1"/>
                 </a:solidFill>
               </a:rPr>
-              <a:t>Shubham Singh</a:t>
-            </a:r>
-          </a:p>
-          <a:p>
-            <a:r>
-              <a:rPr lang="en-US" sz="3600" spc="-150" dirty="0">
-                <a:solidFill>
-                  <a:schemeClr val="bg1"/>
-                </a:solidFill>
-              </a:rPr>
-              <a:t>Day 10</a:t>
+              <a:t>10</a:t>
             </a:r>
           </a:p>
         </p:txBody>
